--- a/OpenCBLS/src/khmtk60/miniprojects/G6/Báo cáo môn học.pptx
+++ b/OpenCBLS/src/khmtk60/miniprojects/G6/Báo cáo môn học.pptx
@@ -13,15 +13,16 @@
     <p:sldId id="261" r:id="rId7"/>
     <p:sldId id="262" r:id="rId8"/>
     <p:sldId id="263" r:id="rId9"/>
-    <p:sldId id="264" r:id="rId10"/>
-    <p:sldId id="265" r:id="rId11"/>
-    <p:sldId id="266" r:id="rId12"/>
-    <p:sldId id="267" r:id="rId13"/>
-    <p:sldId id="268" r:id="rId14"/>
-    <p:sldId id="269" r:id="rId15"/>
-    <p:sldId id="270" r:id="rId16"/>
-    <p:sldId id="271" r:id="rId17"/>
-    <p:sldId id="272" r:id="rId18"/>
+    <p:sldId id="273" r:id="rId10"/>
+    <p:sldId id="264" r:id="rId11"/>
+    <p:sldId id="265" r:id="rId12"/>
+    <p:sldId id="266" r:id="rId13"/>
+    <p:sldId id="267" r:id="rId14"/>
+    <p:sldId id="274" r:id="rId15"/>
+    <p:sldId id="269" r:id="rId16"/>
+    <p:sldId id="275" r:id="rId17"/>
+    <p:sldId id="271" r:id="rId18"/>
+    <p:sldId id="272" r:id="rId19"/>
   </p:sldIdLst>
   <p:sldSz cx="12192000" cy="6858000"/>
   <p:notesSz cx="6858000" cy="9144000"/>
@@ -850,7 +851,7 @@
           <a:p>
             <a:fld id="{74188C3B-FEEF-4C81-8652-B815EACCEE8D}" type="datetimeFigureOut">
               <a:rPr lang="en-US" smtClean="0"/>
-              <a:t>5/7/2019</a:t>
+              <a:t>5/14/2019</a:t>
             </a:fld>
             <a:endParaRPr lang="en-US"/>
           </a:p>
@@ -1101,7 +1102,7 @@
           <a:p>
             <a:fld id="{74188C3B-FEEF-4C81-8652-B815EACCEE8D}" type="datetimeFigureOut">
               <a:rPr lang="en-US" smtClean="0"/>
-              <a:t>5/7/2019</a:t>
+              <a:t>5/14/2019</a:t>
             </a:fld>
             <a:endParaRPr lang="en-US"/>
           </a:p>
@@ -1415,7 +1416,7 @@
           <a:p>
             <a:fld id="{74188C3B-FEEF-4C81-8652-B815EACCEE8D}" type="datetimeFigureOut">
               <a:rPr lang="en-US" smtClean="0"/>
-              <a:t>5/7/2019</a:t>
+              <a:t>5/14/2019</a:t>
             </a:fld>
             <a:endParaRPr lang="en-US"/>
           </a:p>
@@ -1756,7 +1757,7 @@
           <a:p>
             <a:fld id="{74188C3B-FEEF-4C81-8652-B815EACCEE8D}" type="datetimeFigureOut">
               <a:rPr lang="en-US" smtClean="0"/>
-              <a:t>5/7/2019</a:t>
+              <a:t>5/14/2019</a:t>
             </a:fld>
             <a:endParaRPr lang="en-US"/>
           </a:p>
@@ -2070,7 +2071,7 @@
           <a:p>
             <a:fld id="{74188C3B-FEEF-4C81-8652-B815EACCEE8D}" type="datetimeFigureOut">
               <a:rPr lang="en-US" smtClean="0"/>
-              <a:t>5/7/2019</a:t>
+              <a:t>5/14/2019</a:t>
             </a:fld>
             <a:endParaRPr lang="en-US"/>
           </a:p>
@@ -2463,7 +2464,7 @@
           <a:p>
             <a:fld id="{74188C3B-FEEF-4C81-8652-B815EACCEE8D}" type="datetimeFigureOut">
               <a:rPr lang="en-US" smtClean="0"/>
-              <a:t>5/7/2019</a:t>
+              <a:t>5/14/2019</a:t>
             </a:fld>
             <a:endParaRPr lang="en-US"/>
           </a:p>
@@ -2633,7 +2634,7 @@
           <a:p>
             <a:fld id="{74188C3B-FEEF-4C81-8652-B815EACCEE8D}" type="datetimeFigureOut">
               <a:rPr lang="en-US" smtClean="0"/>
-              <a:t>5/7/2019</a:t>
+              <a:t>5/14/2019</a:t>
             </a:fld>
             <a:endParaRPr lang="en-US"/>
           </a:p>
@@ -2813,7 +2814,7 @@
           <a:p>
             <a:fld id="{74188C3B-FEEF-4C81-8652-B815EACCEE8D}" type="datetimeFigureOut">
               <a:rPr lang="en-US" smtClean="0"/>
-              <a:t>5/7/2019</a:t>
+              <a:t>5/14/2019</a:t>
             </a:fld>
             <a:endParaRPr lang="en-US"/>
           </a:p>
@@ -2989,7 +2990,7 @@
           <a:p>
             <a:fld id="{74188C3B-FEEF-4C81-8652-B815EACCEE8D}" type="datetimeFigureOut">
               <a:rPr lang="en-US" smtClean="0"/>
-              <a:t>5/7/2019</a:t>
+              <a:t>5/14/2019</a:t>
             </a:fld>
             <a:endParaRPr lang="en-US"/>
           </a:p>
@@ -3236,7 +3237,7 @@
           <a:p>
             <a:fld id="{74188C3B-FEEF-4C81-8652-B815EACCEE8D}" type="datetimeFigureOut">
               <a:rPr lang="en-US" smtClean="0"/>
-              <a:t>5/7/2019</a:t>
+              <a:t>5/14/2019</a:t>
             </a:fld>
             <a:endParaRPr lang="en-US"/>
           </a:p>
@@ -3468,7 +3469,7 @@
           <a:p>
             <a:fld id="{74188C3B-FEEF-4C81-8652-B815EACCEE8D}" type="datetimeFigureOut">
               <a:rPr lang="en-US" smtClean="0"/>
-              <a:t>5/7/2019</a:t>
+              <a:t>5/14/2019</a:t>
             </a:fld>
             <a:endParaRPr lang="en-US"/>
           </a:p>
@@ -3842,7 +3843,7 @@
           <a:p>
             <a:fld id="{74188C3B-FEEF-4C81-8652-B815EACCEE8D}" type="datetimeFigureOut">
               <a:rPr lang="en-US" smtClean="0"/>
-              <a:t>5/7/2019</a:t>
+              <a:t>5/14/2019</a:t>
             </a:fld>
             <a:endParaRPr lang="en-US"/>
           </a:p>
@@ -3965,7 +3966,7 @@
           <a:p>
             <a:fld id="{74188C3B-FEEF-4C81-8652-B815EACCEE8D}" type="datetimeFigureOut">
               <a:rPr lang="en-US" smtClean="0"/>
-              <a:t>5/7/2019</a:t>
+              <a:t>5/14/2019</a:t>
             </a:fld>
             <a:endParaRPr lang="en-US"/>
           </a:p>
@@ -4060,7 +4061,7 @@
           <a:p>
             <a:fld id="{74188C3B-FEEF-4C81-8652-B815EACCEE8D}" type="datetimeFigureOut">
               <a:rPr lang="en-US" smtClean="0"/>
-              <a:t>5/7/2019</a:t>
+              <a:t>5/14/2019</a:t>
             </a:fld>
             <a:endParaRPr lang="en-US"/>
           </a:p>
@@ -4315,7 +4316,7 @@
           <a:p>
             <a:fld id="{74188C3B-FEEF-4C81-8652-B815EACCEE8D}" type="datetimeFigureOut">
               <a:rPr lang="en-US" smtClean="0"/>
-              <a:t>5/7/2019</a:t>
+              <a:t>5/14/2019</a:t>
             </a:fld>
             <a:endParaRPr lang="en-US"/>
           </a:p>
@@ -4578,7 +4579,7 @@
           <a:p>
             <a:fld id="{74188C3B-FEEF-4C81-8652-B815EACCEE8D}" type="datetimeFigureOut">
               <a:rPr lang="en-US" smtClean="0"/>
-              <a:t>5/7/2019</a:t>
+              <a:t>5/14/2019</a:t>
             </a:fld>
             <a:endParaRPr lang="en-US"/>
           </a:p>
@@ -5321,7 +5322,7 @@
           <a:p>
             <a:fld id="{74188C3B-FEEF-4C81-8652-B815EACCEE8D}" type="datetimeFigureOut">
               <a:rPr lang="en-US" smtClean="0"/>
-              <a:t>5/7/2019</a:t>
+              <a:t>5/14/2019</a:t>
             </a:fld>
             <a:endParaRPr lang="en-US"/>
           </a:p>
@@ -6299,8 +6300,8 @@
         </p:nvSpPr>
         <p:spPr>
           <a:xfrm>
-            <a:off x="1507067" y="1397000"/>
-            <a:ext cx="7766936" cy="2653836"/>
+            <a:off x="330200" y="1397000"/>
+            <a:ext cx="8943803" cy="2653836"/>
           </a:xfrm>
         </p:spPr>
         <p:txBody>
@@ -6323,26 +6324,13 @@
               </a:rPr>
             </a:br>
             <a:r>
-              <a:rPr lang="en-US">
+              <a:rPr lang="en-US" sz="4500">
                 <a:latin typeface="Calibri" panose="020F0502020204030204" pitchFamily="34" charset="0"/>
                 <a:cs typeface="Calibri" panose="020F0502020204030204" pitchFamily="34" charset="0"/>
               </a:rPr>
-              <a:t>Tìm kiếm cục bộ </a:t>
-            </a:r>
-            <a:br>
-              <a:rPr lang="en-US">
-                <a:latin typeface="Calibri" panose="020F0502020204030204" pitchFamily="34" charset="0"/>
-                <a:cs typeface="Calibri" panose="020F0502020204030204" pitchFamily="34" charset="0"/>
-              </a:rPr>
-            </a:br>
-            <a:r>
-              <a:rPr lang="en-US">
-                <a:latin typeface="Calibri" panose="020F0502020204030204" pitchFamily="34" charset="0"/>
-                <a:cs typeface="Calibri" panose="020F0502020204030204" pitchFamily="34" charset="0"/>
-              </a:rPr>
-              <a:t>dựa trên ràng buộc</a:t>
-            </a:r>
-            <a:endParaRPr lang="en-US"/>
+              <a:t>Tìm kiếm cục bộ dựa trên ràng buộc</a:t>
+            </a:r>
+            <a:endParaRPr lang="en-US" sz="4500"/>
           </a:p>
         </p:txBody>
       </p:sp>
@@ -6447,103 +6435,70 @@
             <a:pPr lvl="1"/>
             <a:r>
               <a:rPr lang="en-US" sz="1800"/>
-              <a:t>Lai ghép:</a:t>
-            </a:r>
-          </a:p>
-          <a:p>
-            <a:pPr marL="457200" lvl="1" indent="0">
-              <a:buNone/>
-            </a:pPr>
+              <a:t>Chọn lọc: Một phần quần thể có giá trị fitness tốt nhất sẽ đ</a:t>
+            </a:r>
+            <a:r>
+              <a:rPr lang="vi-VN" sz="1800"/>
+              <a:t>ư</a:t>
+            </a:r>
             <a:r>
               <a:rPr lang="en-US" sz="1800"/>
-              <a:t>	Tiến hành tráo đổi phần tử giữa 2 cá thể để tạo ra 2 cá thể mới.</a:t>
-            </a:r>
-          </a:p>
-          <a:p>
-            <a:pPr marL="457200" lvl="1" indent="0">
-              <a:buNone/>
-            </a:pPr>
+              <a:t>ợc giữ lại, phần còn lại đ</a:t>
+            </a:r>
+            <a:r>
+              <a:rPr lang="vi-VN" sz="1800"/>
+              <a:t>ư</a:t>
+            </a:r>
             <a:r>
               <a:rPr lang="en-US" sz="1800"/>
-              <a:t>	Chọn 2 chỉ số ngẫu nhiên làm điểm lai ghép.</a:t>
-            </a:r>
-          </a:p>
-          <a:p>
-            <a:pPr marL="457200" lvl="1" indent="0">
-              <a:buNone/>
-            </a:pPr>
+              <a:t>ợc thay thế bằng các cá thể mới đ</a:t>
+            </a:r>
+            <a:r>
+              <a:rPr lang="vi-VN" sz="1800"/>
+              <a:t>ư</a:t>
+            </a:r>
             <a:r>
               <a:rPr lang="en-US" sz="1800"/>
-              <a:t>	Tráo đổi giá trị của các phần tử có chỉ số nằm trong khoảng 2 phần tử đó.</a:t>
-            </a:r>
-          </a:p>
-          <a:p>
-            <a:pPr marL="457200" lvl="1" indent="0">
-              <a:buNone/>
-            </a:pPr>
+              <a:t>ợc sinh ra.</a:t>
+            </a:r>
+            <a:endParaRPr lang="en-US" sz="1600"/>
+          </a:p>
+          <a:p>
+            <a:pPr lvl="1"/>
             <a:r>
               <a:rPr lang="en-US" sz="1800"/>
-              <a:t>	VD:  P1 : -1  0 1 2 3 1 4  0</a:t>
-            </a:r>
-          </a:p>
-          <a:p>
-            <a:pPr marL="457200" lvl="1" indent="0">
-              <a:buNone/>
-            </a:pPr>
+              <a:t>Hàm fitness: Đánh giá chất l</a:t>
+            </a:r>
+            <a:r>
+              <a:rPr lang="vi-VN" sz="1800"/>
+              <a:t>ư</a:t>
+            </a:r>
             <a:r>
               <a:rPr lang="en-US" sz="1800"/>
-              <a:t>		P2:   0 -1 3 4 5 2 1 -1</a:t>
-            </a:r>
-          </a:p>
-          <a:p>
-            <a:pPr marL="457200" lvl="1" indent="0">
-              <a:buNone/>
-            </a:pPr>
+              <a:t>ợng lời giải. Giá trị cao nghĩa là lời giải có chất l</a:t>
+            </a:r>
+            <a:r>
+              <a:rPr lang="vi-VN" sz="1800"/>
+              <a:t>ư</a:t>
+            </a:r>
             <a:r>
               <a:rPr lang="en-US" sz="1800"/>
-              <a:t>	2 điểm lai ghép ngẫu nhiên là 3 và 7</a:t>
-            </a:r>
-          </a:p>
-          <a:p>
-            <a:pPr marL="457200" lvl="1" indent="0">
-              <a:buNone/>
-            </a:pPr>
+              <a:t>ợng tốt</a:t>
+            </a:r>
+          </a:p>
+          <a:p>
+            <a:pPr lvl="1"/>
             <a:r>
               <a:rPr lang="en-US" sz="1800"/>
-              <a:t>	=&gt;    C1:  -1  0 </a:t>
-            </a:r>
-            <a:r>
-              <a:rPr lang="en-US" sz="1800">
-                <a:solidFill>
-                  <a:srgbClr val="FF0000"/>
-                </a:solidFill>
-              </a:rPr>
-              <a:t>3 4 5 2 1  </a:t>
+              <a:t>Giá trị hàm fitness bằng tổng số item đ</a:t>
+            </a:r>
+            <a:r>
+              <a:rPr lang="vi-VN" sz="1800"/>
+              <a:t>ư</a:t>
             </a:r>
             <a:r>
               <a:rPr lang="en-US" sz="1800"/>
-              <a:t>0</a:t>
-            </a:r>
-          </a:p>
-          <a:p>
-            <a:pPr marL="457200" lvl="1" indent="0">
-              <a:buNone/>
-            </a:pPr>
-            <a:r>
-              <a:rPr lang="en-US" sz="1800"/>
-              <a:t>		C2:   0 -1 </a:t>
-            </a:r>
-            <a:r>
-              <a:rPr lang="en-US" sz="1800">
-                <a:solidFill>
-                  <a:srgbClr val="FF0000"/>
-                </a:solidFill>
-              </a:rPr>
-              <a:t>1 2 3 1 4 </a:t>
-            </a:r>
-            <a:r>
-              <a:rPr lang="en-US" sz="1800"/>
-              <a:t>-1</a:t>
+              <a:t>ợc xếp vào bin</a:t>
             </a:r>
           </a:p>
           <a:p>
@@ -6560,7 +6515,7 @@
     </p:spTree>
     <p:extLst>
       <p:ext uri="{BB962C8B-B14F-4D97-AF65-F5344CB8AC3E}">
-        <p14:creationId xmlns:p14="http://schemas.microsoft.com/office/powerpoint/2010/main" val="2674071283"/>
+        <p14:creationId xmlns:p14="http://schemas.microsoft.com/office/powerpoint/2010/main" val="3005157095"/>
       </p:ext>
     </p:extLst>
   </p:cSld>
@@ -6658,31 +6613,34 @@
             <a:pPr lvl="1"/>
             <a:r>
               <a:rPr lang="en-US" sz="1800"/>
-              <a:t>Biến dị: Thay đổi giá trị của cá thể một cách ngẫu nhiên, nhằm tránh tr</a:t>
-            </a:r>
-            <a:r>
-              <a:rPr lang="vi-VN" sz="1800"/>
-              <a:t>ư</a:t>
-            </a:r>
+              <a:t>Lai ghép:</a:t>
+            </a:r>
+          </a:p>
+          <a:p>
+            <a:pPr marL="457200" lvl="1" indent="0">
+              <a:buNone/>
+            </a:pPr>
             <a:r>
               <a:rPr lang="en-US" sz="1800"/>
-              <a:t>ờng hợp quần thể bị r</a:t>
-            </a:r>
-            <a:r>
-              <a:rPr lang="vi-VN" sz="1800"/>
-              <a:t>ơ</a:t>
-            </a:r>
+              <a:t>	Tiến hành tráo đổi phần tử giữa 2 cá thể để tạo ra 2 cá thể mới.</a:t>
+            </a:r>
+          </a:p>
+          <a:p>
+            <a:pPr marL="457200" lvl="1" indent="0">
+              <a:buNone/>
+            </a:pPr>
             <a:r>
               <a:rPr lang="en-US" sz="1800"/>
-              <a:t>i vào tối </a:t>
-            </a:r>
-            <a:r>
-              <a:rPr lang="vi-VN" sz="1800"/>
-              <a:t>ư</a:t>
-            </a:r>
+              <a:t>	Chọn 2 chỉ số ngẫu nhiên làm điểm lai ghép.</a:t>
+            </a:r>
+          </a:p>
+          <a:p>
+            <a:pPr marL="457200" lvl="1" indent="0">
+              <a:buNone/>
+            </a:pPr>
             <a:r>
               <a:rPr lang="en-US" sz="1800"/>
-              <a:t>u cục bộ.</a:t>
+              <a:t>	Tráo đổi giá trị của các phần tử có chỉ số nằm trong khoảng 2 phần tử đó.</a:t>
             </a:r>
           </a:p>
           <a:p>
@@ -6691,15 +6649,67 @@
             </a:pPr>
             <a:r>
               <a:rPr lang="en-US" sz="1800"/>
-              <a:t>      Xác suất của biến dị th</a:t>
-            </a:r>
-            <a:r>
-              <a:rPr lang="vi-VN" sz="1800"/>
-              <a:t>ư</a:t>
-            </a:r>
+              <a:t>	VD:  P1 : -1  0 1 2 3 1 4  0</a:t>
+            </a:r>
+          </a:p>
+          <a:p>
+            <a:pPr marL="457200" lvl="1" indent="0">
+              <a:buNone/>
+            </a:pPr>
             <a:r>
               <a:rPr lang="en-US" sz="1800"/>
-              <a:t>ờng rất thấp (1-5%) </a:t>
+              <a:t>		P2:   0 -1 3 4 5 2 1 -1</a:t>
+            </a:r>
+          </a:p>
+          <a:p>
+            <a:pPr marL="457200" lvl="1" indent="0">
+              <a:buNone/>
+            </a:pPr>
+            <a:r>
+              <a:rPr lang="en-US" sz="1800"/>
+              <a:t>	2 điểm lai ghép ngẫu nhiên là 3 và 7</a:t>
+            </a:r>
+          </a:p>
+          <a:p>
+            <a:pPr marL="457200" lvl="1" indent="0">
+              <a:buNone/>
+            </a:pPr>
+            <a:r>
+              <a:rPr lang="en-US" sz="1800"/>
+              <a:t>	=&gt;    C1:  -1  0 </a:t>
+            </a:r>
+            <a:r>
+              <a:rPr lang="en-US" sz="1800">
+                <a:solidFill>
+                  <a:srgbClr val="FF0000"/>
+                </a:solidFill>
+              </a:rPr>
+              <a:t>3 4 5 2 1  </a:t>
+            </a:r>
+            <a:r>
+              <a:rPr lang="en-US" sz="1800"/>
+              <a:t>0</a:t>
+            </a:r>
+          </a:p>
+          <a:p>
+            <a:pPr marL="457200" lvl="1" indent="0">
+              <a:buNone/>
+            </a:pPr>
+            <a:r>
+              <a:rPr lang="en-US" sz="1800"/>
+              <a:t>		C2:   0 -1 </a:t>
+            </a:r>
+            <a:r>
+              <a:rPr lang="en-US" sz="1800">
+                <a:solidFill>
+                  <a:srgbClr val="FF0000"/>
+                </a:solidFill>
+              </a:rPr>
+              <a:t>1 2 3 1 4 </a:t>
+            </a:r>
+            <a:r>
+              <a:rPr lang="en-US" sz="1800"/>
+              <a:t>-1</a:t>
             </a:r>
           </a:p>
           <a:p>
@@ -6716,7 +6726,7 @@
     </p:spTree>
     <p:extLst>
       <p:ext uri="{BB962C8B-B14F-4D97-AF65-F5344CB8AC3E}">
-        <p14:creationId xmlns:p14="http://schemas.microsoft.com/office/powerpoint/2010/main" val="4063847726"/>
+        <p14:creationId xmlns:p14="http://schemas.microsoft.com/office/powerpoint/2010/main" val="2674071283"/>
       </p:ext>
     </p:extLst>
   </p:cSld>
@@ -6807,7 +6817,38 @@
           <a:p>
             <a:r>
               <a:rPr lang="en-US" sz="2000"/>
-              <a:t>Hill Climbing Local Search:</a:t>
+              <a:t>Giải thuật di truyền</a:t>
+            </a:r>
+          </a:p>
+          <a:p>
+            <a:pPr lvl="1"/>
+            <a:r>
+              <a:rPr lang="en-US" sz="1800"/>
+              <a:t>Biến dị: Thay đổi giá trị của cá thể một cách ngẫu nhiên, nhằm tránh tr</a:t>
+            </a:r>
+            <a:r>
+              <a:rPr lang="vi-VN" sz="1800"/>
+              <a:t>ư</a:t>
+            </a:r>
+            <a:r>
+              <a:rPr lang="en-US" sz="1800"/>
+              <a:t>ờng hợp quần thể bị r</a:t>
+            </a:r>
+            <a:r>
+              <a:rPr lang="vi-VN" sz="1800"/>
+              <a:t>ơ</a:t>
+            </a:r>
+            <a:r>
+              <a:rPr lang="en-US" sz="1800"/>
+              <a:t>i vào tối </a:t>
+            </a:r>
+            <a:r>
+              <a:rPr lang="vi-VN" sz="1800"/>
+              <a:t>ư</a:t>
+            </a:r>
+            <a:r>
+              <a:rPr lang="en-US" sz="1800"/>
+              <a:t>u cục bộ.</a:t>
             </a:r>
           </a:p>
           <a:p>
@@ -6816,7 +6857,15 @@
             </a:pPr>
             <a:r>
               <a:rPr lang="en-US" sz="1800"/>
-              <a:t>Khởi tạo lời giải, liên tục cải thiện nó bằng việc thay đổi một vài biến dựa trên tổng các vi phạm ràng buộc (violations).</a:t>
+              <a:t>      Xác suất của biến dị th</a:t>
+            </a:r>
+            <a:r>
+              <a:rPr lang="vi-VN" sz="1800"/>
+              <a:t>ư</a:t>
+            </a:r>
+            <a:r>
+              <a:rPr lang="en-US" sz="1800"/>
+              <a:t>ờng rất thấp (1-5%) </a:t>
             </a:r>
           </a:p>
           <a:p>
@@ -6833,7 +6882,7 @@
     </p:spTree>
     <p:extLst>
       <p:ext uri="{BB962C8B-B14F-4D97-AF65-F5344CB8AC3E}">
-        <p14:creationId xmlns:p14="http://schemas.microsoft.com/office/powerpoint/2010/main" val="1567839687"/>
+        <p14:creationId xmlns:p14="http://schemas.microsoft.com/office/powerpoint/2010/main" val="4063847726"/>
       </p:ext>
     </p:extLst>
   </p:cSld>
@@ -6933,50 +6982,7 @@
             </a:pPr>
             <a:r>
               <a:rPr lang="en-US" sz="1800"/>
-              <a:t>Biến quyết định: </a:t>
-            </a:r>
-          </a:p>
-          <a:p>
-            <a:pPr marL="457200" lvl="1" indent="0">
-              <a:buNone/>
-            </a:pPr>
-            <a:r>
-              <a:rPr lang="en-US" sz="1800"/>
-              <a:t>X[i], i = 1…N</a:t>
-            </a:r>
-          </a:p>
-          <a:p>
-            <a:pPr marL="457200" lvl="1" indent="0">
-              <a:buNone/>
-            </a:pPr>
-            <a:r>
-              <a:rPr lang="en-US" sz="1800"/>
-              <a:t>X[i] = j, đồ vật i đ</a:t>
-            </a:r>
-            <a:r>
-              <a:rPr lang="vi-VN" sz="1800"/>
-              <a:t>ư</a:t>
-            </a:r>
-            <a:r>
-              <a:rPr lang="en-US" sz="1800"/>
-              <a:t>ợc cho vào thùng j</a:t>
-            </a:r>
-          </a:p>
-          <a:p>
-            <a:pPr marL="457200" lvl="1" indent="0">
-              <a:buNone/>
-            </a:pPr>
-            <a:r>
-              <a:rPr lang="en-US" sz="1800"/>
-              <a:t>X[i] = -1, đồ vật i không đ</a:t>
-            </a:r>
-            <a:r>
-              <a:rPr lang="vi-VN" sz="1800"/>
-              <a:t>ư</a:t>
-            </a:r>
-            <a:r>
-              <a:rPr lang="en-US" sz="1800"/>
-              <a:t>ợc cho vào thùng nào.</a:t>
+              <a:t>Khởi tạo lời giải, liên tục cải thiện nó bằng việc thay đổi một vài biến dựa trên tổng các vi phạm ràng buộc (violations).</a:t>
             </a:r>
           </a:p>
           <a:p>
@@ -6993,7 +6999,7 @@
     </p:spTree>
     <p:extLst>
       <p:ext uri="{BB962C8B-B14F-4D97-AF65-F5344CB8AC3E}">
-        <p14:creationId xmlns:p14="http://schemas.microsoft.com/office/powerpoint/2010/main" val="605309019"/>
+        <p14:creationId xmlns:p14="http://schemas.microsoft.com/office/powerpoint/2010/main" val="1567839687"/>
       </p:ext>
     </p:extLst>
   </p:cSld>
@@ -7083,38 +7089,93 @@
           <a:lstStyle/>
           <a:p>
             <a:r>
-              <a:rPr lang="en-US" sz="2200"/>
+              <a:rPr lang="en-US" sz="2000"/>
               <a:t>Hill Climbing Local Search:</a:t>
             </a:r>
           </a:p>
           <a:p>
-            <a:pPr>
-              <a:buFontTx/>
-              <a:buChar char="-"/>
+            <a:pPr marL="457200" lvl="1" indent="0">
+              <a:buNone/>
             </a:pPr>
             <a:r>
-              <a:rPr lang="en-US" sz="2000"/>
-              <a:t>Khởi tạo: </a:t>
-            </a:r>
-            <a:r>
-              <a:rPr lang="en-US" sz="2000">
-                <a:cs typeface="Arial" panose="020B0604020202020204" pitchFamily="34" charset="0"/>
+              <a:rPr lang="vi-VN" sz="1800">
+                <a:latin typeface="Calibri" panose="020F0502020204030204" pitchFamily="34" charset="0"/>
+                <a:cs typeface="Calibri" panose="020F0502020204030204" pitchFamily="34" charset="0"/>
               </a:rPr>
-              <a:t>duyệt từng bin một với mỗi bin xét tất cả item quyết định thêm item vào bin nếu không làm tăng violation về R, T, maxload, P của bin lên. </a:t>
-            </a:r>
-          </a:p>
-          <a:p>
-            <a:pPr>
-              <a:buFontTx/>
-              <a:buChar char="-"/>
+              <a:t>nItem : số Item</a:t>
+            </a:r>
+          </a:p>
+          <a:p>
+            <a:pPr marL="457200" lvl="1" indent="0">
+              <a:buNone/>
             </a:pPr>
             <a:r>
-              <a:rPr lang="en-US" sz="2000">
-                <a:cs typeface="Arial" panose="020B0604020202020204" pitchFamily="34" charset="0"/>
+              <a:rPr lang="vi-VN" sz="1800">
+                <a:latin typeface="Calibri" panose="020F0502020204030204" pitchFamily="34" charset="0"/>
+                <a:cs typeface="Calibri" panose="020F0502020204030204" pitchFamily="34" charset="0"/>
               </a:rPr>
-              <a:t>Duyệt tiếp lần hai chấp nhận vi phạm khác để đảm bảo minload của bin</a:t>
-            </a:r>
-            <a:endParaRPr lang="en-US" sz="2000"/>
+              <a:t>nBin : số Bin</a:t>
+            </a:r>
+          </a:p>
+          <a:p>
+            <a:pPr marL="457200" lvl="1" indent="0">
+              <a:buNone/>
+            </a:pPr>
+            <a:r>
+              <a:rPr lang="vi-VN" sz="1800">
+                <a:latin typeface="Calibri" panose="020F0502020204030204" pitchFamily="34" charset="0"/>
+                <a:cs typeface="Calibri" panose="020F0502020204030204" pitchFamily="34" charset="0"/>
+              </a:rPr>
+              <a:t>X[] : biến quyết định. Có nItem phần tử X[i] là bin mà item[i]  cho vào. </a:t>
+            </a:r>
+          </a:p>
+          <a:p>
+            <a:pPr marL="457200" lvl="1" indent="0">
+              <a:buNone/>
+            </a:pPr>
+            <a:r>
+              <a:rPr lang="vi-VN" sz="1800">
+                <a:latin typeface="Calibri" panose="020F0502020204030204" pitchFamily="34" charset="0"/>
+                <a:cs typeface="Calibri" panose="020F0502020204030204" pitchFamily="34" charset="0"/>
+              </a:rPr>
+              <a:t>Bins[][] : kích thước nBin*2. Bins[i] chứa R và T của bin[i]</a:t>
+            </a:r>
+          </a:p>
+          <a:p>
+            <a:pPr marL="457200" lvl="1" indent="0">
+              <a:buNone/>
+            </a:pPr>
+            <a:r>
+              <a:rPr lang="vi-VN" sz="1800">
+                <a:latin typeface="Calibri" panose="020F0502020204030204" pitchFamily="34" charset="0"/>
+                <a:cs typeface="Calibri" panose="020F0502020204030204" pitchFamily="34" charset="0"/>
+              </a:rPr>
+              <a:t>Bind[][] : kích thước nBin*3. Bind[i] chứa các giá trị về maxload,minload,P của bin[i]</a:t>
+            </a:r>
+          </a:p>
+          <a:p>
+            <a:pPr marL="457200" lvl="1" indent="0">
+              <a:buNone/>
+            </a:pPr>
+            <a:r>
+              <a:rPr lang="vi-VN" sz="1800">
+                <a:latin typeface="Calibri" panose="020F0502020204030204" pitchFamily="34" charset="0"/>
+                <a:cs typeface="Calibri" panose="020F0502020204030204" pitchFamily="34" charset="0"/>
+              </a:rPr>
+              <a:t>Items[][] : kích thước nItem*2. Items[i] chứa các giá trị r và t của Item[i]</a:t>
+            </a:r>
+          </a:p>
+          <a:p>
+            <a:pPr marL="457200" lvl="1" indent="0">
+              <a:buNone/>
+            </a:pPr>
+            <a:r>
+              <a:rPr lang="vi-VN" sz="1800">
+                <a:latin typeface="Calibri" panose="020F0502020204030204" pitchFamily="34" charset="0"/>
+                <a:cs typeface="Calibri" panose="020F0502020204030204" pitchFamily="34" charset="0"/>
+              </a:rPr>
+              <a:t>Itemd[][] :  kích thước nItem*2. Itemd[i] chứa các giá trị w,p của Item[i].</a:t>
+            </a:r>
           </a:p>
           <a:p>
             <a:pPr marL="0" indent="0">
@@ -7130,7 +7191,7 @@
     </p:spTree>
     <p:extLst>
       <p:ext uri="{BB962C8B-B14F-4D97-AF65-F5344CB8AC3E}">
-        <p14:creationId xmlns:p14="http://schemas.microsoft.com/office/powerpoint/2010/main" val="3881774334"/>
+        <p14:creationId xmlns:p14="http://schemas.microsoft.com/office/powerpoint/2010/main" val="1396550667"/>
       </p:ext>
     </p:extLst>
   </p:cSld>
@@ -7230,14 +7291,11 @@
               <a:buChar char="-"/>
             </a:pPr>
             <a:r>
-              <a:rPr lang="en-US" sz="2000"/>
-              <a:t>Khởi tạo: </a:t>
-            </a:r>
-            <a:r>
-              <a:rPr lang="en-US" sz="2000">
-                <a:cs typeface="Arial" panose="020B0604020202020204" pitchFamily="34" charset="0"/>
+              <a:rPr lang="vi-VN">
+                <a:latin typeface="Calibri" panose="020F0502020204030204" pitchFamily="34" charset="0"/>
+                <a:cs typeface="Calibri" panose="020F0502020204030204" pitchFamily="34" charset="0"/>
               </a:rPr>
-              <a:t>duyệt từng bin một với mỗi bin xét tất cả item quyết định thêm item vào bin nếu không làm tăng violation về R, T, maxload, P của bin lên. </a:t>
+              <a:t>Duyệt từng Bin một với mỗi Bin xét tất cả item quyết định thêm Item vào bin nếu bin thuộc binindice của Item và Item có R và T cùng với R và T của 1 Item thuộc Bin đó và khi thêm Item vào đảm bảo k có vi phạm về maxload và trọng số 2 P</a:t>
             </a:r>
           </a:p>
           <a:p>
@@ -7245,13 +7303,23 @@
               <a:buFontTx/>
               <a:buChar char="-"/>
             </a:pPr>
-            <a:r>
-              <a:rPr lang="en-US" sz="2000">
-                <a:cs typeface="Arial" panose="020B0604020202020204" pitchFamily="34" charset="0"/>
+            <a:endParaRPr lang="vi-VN">
+              <a:latin typeface="Calibri" panose="020F0502020204030204" pitchFamily="34" charset="0"/>
+              <a:cs typeface="Calibri" panose="020F0502020204030204" pitchFamily="34" charset="0"/>
+            </a:endParaRPr>
+          </a:p>
+          <a:p>
+            <a:pPr>
+              <a:buFontTx/>
+              <a:buChar char="-"/>
+            </a:pPr>
+            <a:r>
+              <a:rPr lang="vi-VN">
+                <a:latin typeface="Calibri" panose="020F0502020204030204" pitchFamily="34" charset="0"/>
+                <a:cs typeface="Calibri" panose="020F0502020204030204" pitchFamily="34" charset="0"/>
               </a:rPr>
-              <a:t>Duyệt tiếp lần hai chấp nhận vi phạm khác để đảm bảo minload của bin</a:t>
-            </a:r>
-            <a:endParaRPr lang="en-US" sz="2000"/>
+              <a:t>Duyệt lần 2 : xét R và T của Bin nếu R &gt; T thì duyệt tất cả các Item và quyết định thêm Item vào nếu Item thêm vào có T trùng với T của ít nhất 1 Item đã được thêm vào Bin và việc thêm Item đó vào không làm tăng violation của Bin.</a:t>
+            </a:r>
           </a:p>
           <a:p>
             <a:pPr marL="0" indent="0">
@@ -7267,7 +7335,7 @@
     </p:spTree>
     <p:extLst>
       <p:ext uri="{BB962C8B-B14F-4D97-AF65-F5344CB8AC3E}">
-        <p14:creationId xmlns:p14="http://schemas.microsoft.com/office/powerpoint/2010/main" val="1693046706"/>
+        <p14:creationId xmlns:p14="http://schemas.microsoft.com/office/powerpoint/2010/main" val="3881774334"/>
       </p:ext>
     </p:extLst>
   </p:cSld>
@@ -7362,68 +7430,81 @@
             </a:r>
           </a:p>
           <a:p>
-            <a:pPr>
-              <a:buFontTx/>
-              <a:buChar char="-"/>
+            <a:pPr marL="0" indent="0">
+              <a:buNone/>
             </a:pPr>
             <a:r>
-              <a:rPr lang="en-US" sz="2000"/>
-              <a:t>	Chiến l</a:t>
-            </a:r>
-            <a:r>
-              <a:rPr lang="vi-VN" sz="2000">
-                <a:latin typeface="Calibri" panose="020F0502020204030204" pitchFamily="34" charset="0"/>
-                <a:cs typeface="Calibri" panose="020F0502020204030204" pitchFamily="34" charset="0"/>
-              </a:rPr>
-              <a:t>ư</a:t>
-            </a:r>
-            <a:r>
-              <a:rPr lang="en-US" sz="2000"/>
-              <a:t>ợc tìm kiếm: </a:t>
-            </a:r>
-            <a:r>
-              <a:rPr lang="en-US" sz="2000">
-                <a:cs typeface="Arial" panose="020B0604020202020204" pitchFamily="34" charset="0"/>
-              </a:rPr>
-              <a:t>chọn ngẫu nhiên một số biến quyết định và thay đổi giá trị của biến quyết định đó sao cho sự thay đổi của vioaltion là nhỏ nhất. Sau đó chọn ra  biến có có sự thay đổi violatio nhỏ nhất và quyết định thay giá trị của biến đó bằng giá trị vừa tìm được.(các biến được chọn không được nằm trong danh sách cấm. Danh sách cấm gồm các biến đã được chọn ở một số vòng lặp trước đó)</a:t>
-            </a:r>
-          </a:p>
-          <a:p>
-            <a:pPr>
-              <a:buFontTx/>
-              <a:buChar char="-"/>
-            </a:pPr>
-            <a:r>
-              <a:rPr lang="en-US" sz="2000">
-                <a:cs typeface="Arial" panose="020B0604020202020204" pitchFamily="34" charset="0"/>
-              </a:rPr>
-              <a:t>Dùng biến Xbest lưu giá trị X tốt nhất từ trước đến thời điểm hiện tại. Nếu sau một số vòng lặp nhất định giá trị violation của X không giảm so với biến Xbest thì cập nhật X = Xbest sau đó chọn ngẫu nhiên 2 phần tử và đổi chỗ chúng cho nhau. Rồi tiếp tục vòng lặp như trên. </a:t>
-            </a:r>
-          </a:p>
-          <a:p>
-            <a:pPr marL="0" indent="0">
-              <a:buNone/>
-            </a:pPr>
-            <a:r>
-              <a:rPr lang="en-US" sz="2000"/>
-              <a:t> </a:t>
-            </a:r>
-          </a:p>
-          <a:p>
-            <a:pPr marL="0" indent="0">
-              <a:buNone/>
-            </a:pPr>
+              <a:rPr lang="en-US"/>
+              <a:t>	-   </a:t>
+            </a:r>
+            <a:r>
+              <a:rPr lang="vi-VN"/>
+              <a:t>Duyệt lần 3 : xét R và T của mỗi Bin nếu R&lt;=T duyệt qua tất cả Item nếu I</a:t>
+            </a:r>
             <a:r>
               <a:rPr lang="en-US"/>
               <a:t>	</a:t>
             </a:r>
+            <a:r>
+              <a:rPr lang="vi-VN"/>
+              <a:t>tem </a:t>
+            </a:r>
+            <a:r>
+              <a:rPr lang="en-US"/>
+              <a:t>	</a:t>
+            </a:r>
+            <a:r>
+              <a:rPr lang="vi-VN"/>
+              <a:t>nào có T trùng với ít nhất 1 Item trong Bin. Nếu T &lt;= R thì  ngược lại. Và </a:t>
+            </a:r>
+            <a:r>
+              <a:rPr lang="en-US"/>
+              <a:t>	</a:t>
+            </a:r>
+            <a:r>
+              <a:rPr lang="vi-VN"/>
+              <a:t>khi thêm Item vào Bin thì không làm gia tăng violation của Bin.</a:t>
+            </a:r>
+          </a:p>
+          <a:p>
+            <a:pPr marL="0" indent="0">
+              <a:buNone/>
+            </a:pPr>
+            <a:endParaRPr lang="vi-VN"/>
+          </a:p>
+          <a:p>
+            <a:pPr marL="0" indent="0">
+              <a:buNone/>
+            </a:pPr>
+            <a:r>
+              <a:rPr lang="en-US"/>
+              <a:t>	-   </a:t>
+            </a:r>
+            <a:r>
+              <a:rPr lang="vi-VN"/>
+              <a:t>Duyệt lần 4 : duyệt qua tất cả Item nếu Item nào được thêm vào mà không l</a:t>
+            </a:r>
+            <a:r>
+              <a:rPr lang="en-US"/>
+              <a:t>	</a:t>
+            </a:r>
+            <a:r>
+              <a:rPr lang="vi-VN"/>
+              <a:t>àm tăng violation của Bin thì quyết định thêm Item đó vào .</a:t>
+            </a:r>
+          </a:p>
+          <a:p>
+            <a:pPr marL="0" indent="0">
+              <a:buNone/>
+            </a:pPr>
+            <a:endParaRPr lang="en-US"/>
           </a:p>
         </p:txBody>
       </p:sp>
     </p:spTree>
     <p:extLst>
       <p:ext uri="{BB962C8B-B14F-4D97-AF65-F5344CB8AC3E}">
-        <p14:creationId xmlns:p14="http://schemas.microsoft.com/office/powerpoint/2010/main" val="3634478300"/>
+        <p14:creationId xmlns:p14="http://schemas.microsoft.com/office/powerpoint/2010/main" val="158822444"/>
       </p:ext>
     </p:extLst>
   </p:cSld>
@@ -7473,18 +7554,15 @@
           <a:p>
             <a:r>
               <a:rPr lang="en-US"/>
-              <a:t>Kết quả thu đ</a:t>
-            </a:r>
-            <a:r>
-              <a:rPr lang="vi-VN">
-                <a:latin typeface="Calibri" panose="020F0502020204030204" pitchFamily="34" charset="0"/>
-                <a:cs typeface="Calibri" panose="020F0502020204030204" pitchFamily="34" charset="0"/>
-              </a:rPr>
+              <a:t>H</a:t>
+            </a:r>
+            <a:r>
+              <a:rPr lang="vi-VN"/>
               <a:t>ư</a:t>
             </a:r>
             <a:r>
               <a:rPr lang="en-US"/>
-              <a:t>ợc</a:t>
+              <a:t>ớng giải quyết</a:t>
             </a:r>
           </a:p>
         </p:txBody>
@@ -7513,13 +7591,56 @@
         </p:spPr>
         <p:txBody>
           <a:bodyPr>
-            <a:normAutofit fontScale="85000" lnSpcReduction="20000"/>
+            <a:normAutofit lnSpcReduction="10000"/>
           </a:bodyPr>
           <a:lstStyle/>
           <a:p>
             <a:r>
               <a:rPr lang="en-US" sz="2200"/>
-              <a:t>Genetic Algorithm</a:t>
+              <a:t>Hill Climbing Local Search:</a:t>
+            </a:r>
+          </a:p>
+          <a:p>
+            <a:pPr>
+              <a:buFontTx/>
+              <a:buChar char="-"/>
+            </a:pPr>
+            <a:r>
+              <a:rPr lang="en-US" sz="1900"/>
+              <a:t>	</a:t>
+            </a:r>
+            <a:r>
+              <a:rPr lang="vi-VN" sz="1900">
+                <a:cs typeface="Calibri" panose="020F0502020204030204" pitchFamily="34" charset="0"/>
+              </a:rPr>
+              <a:t>Mỗi vòng lặp chọn ngẫu nhiên một số biến quyết định không nằm trong Bin có violation = 0 và thay đổi giá trị của biến quyết định đó với các giá trị là các Bin mà Item đó có thể cho vào . Sau đó chọn ra  biến có có sự thay đổi violatio nhỏ nhất và quyết định thay giá trị của biến đó bằng giá trị vừa tìm được nếu giá trị đó không làm thay đổi violation của Bin được thêm vào từ 0 thành &gt; 0.(các biến được chọn không được nằm trong danh sách cấm. Danh sách cấm gồm các biến đã được chọn ở một số vòng lặp trước đó)</a:t>
+            </a:r>
+          </a:p>
+          <a:p>
+            <a:pPr>
+              <a:buFontTx/>
+              <a:buChar char="-"/>
+            </a:pPr>
+            <a:endParaRPr lang="vi-VN" sz="1900">
+              <a:cs typeface="Calibri" panose="020F0502020204030204" pitchFamily="34" charset="0"/>
+            </a:endParaRPr>
+          </a:p>
+          <a:p>
+            <a:pPr>
+              <a:buFontTx/>
+              <a:buChar char="-"/>
+            </a:pPr>
+            <a:r>
+              <a:rPr lang="en-US" sz="1900">
+                <a:cs typeface="Calibri" panose="020F0502020204030204" pitchFamily="34" charset="0"/>
+              </a:rPr>
+              <a:t>  </a:t>
+            </a:r>
+            <a:r>
+              <a:rPr lang="vi-VN" sz="1900">
+                <a:cs typeface="Calibri" panose="020F0502020204030204" pitchFamily="34" charset="0"/>
+              </a:rPr>
+              <a:t>Dùng biến Xbest lưu giá trị X tốt nhất từ trước đến thời điểm hiện tại. Và sau khi kết thúc vòng lặp  lặp lại chiến lược tìm kiếm với các Item chưa được xếp vào Bin có violation = 0.</a:t>
             </a:r>
           </a:p>
           <a:p>
@@ -7527,92 +7648,75 @@
               <a:buNone/>
             </a:pPr>
             <a:r>
-              <a:rPr lang="en-US" sz="2200"/>
+              <a:rPr lang="en-US" sz="2000"/>
+              <a:t> </a:t>
+            </a:r>
+          </a:p>
+          <a:p>
+            <a:pPr marL="0" indent="0">
+              <a:buNone/>
+            </a:pPr>
+            <a:r>
+              <a:rPr lang="en-US"/>
               <a:t>	</a:t>
             </a:r>
-            <a:r>
-              <a:rPr lang="en-US" sz="1600"/>
-              <a:t>Số item đ</a:t>
-            </a:r>
-            <a:r>
-              <a:rPr lang="vi-VN" sz="1600"/>
-              <a:t>ư</a:t>
-            </a:r>
-            <a:r>
-              <a:rPr lang="en-US" sz="1600"/>
-              <a:t>ợc xếp: 2732</a:t>
-            </a:r>
-          </a:p>
-          <a:p>
-            <a:pPr marL="0" indent="0">
-              <a:buNone/>
-            </a:pPr>
-            <a:r>
-              <a:rPr lang="en-US" sz="2200"/>
-              <a:t>	</a:t>
-            </a:r>
-            <a:r>
-              <a:rPr lang="en-US" sz="1600"/>
-              <a:t>Số vi phạm: 1821</a:t>
-            </a:r>
-            <a:endParaRPr lang="en-US" sz="2200"/>
-          </a:p>
-          <a:p>
-            <a:r>
-              <a:rPr lang="en-US" sz="2200"/>
-              <a:t>Greedy</a:t>
-            </a:r>
-          </a:p>
-          <a:p>
-            <a:pPr marL="0" indent="0">
-              <a:buNone/>
-            </a:pPr>
-            <a:r>
-              <a:rPr lang="en-US" sz="2200"/>
-              <a:t>	</a:t>
-            </a:r>
-            <a:r>
-              <a:rPr lang="en-US" sz="1600"/>
-              <a:t>Số item đ</a:t>
-            </a:r>
-            <a:r>
-              <a:rPr lang="vi-VN" sz="1600"/>
-              <a:t>ư</a:t>
-            </a:r>
-            <a:r>
-              <a:rPr lang="en-US" sz="1600"/>
-              <a:t>ợc xếp: 1972</a:t>
-            </a:r>
-          </a:p>
-          <a:p>
-            <a:pPr marL="0" indent="0">
-              <a:buNone/>
-            </a:pPr>
-            <a:r>
-              <a:rPr lang="en-US" sz="2200"/>
-              <a:t>	</a:t>
-            </a:r>
-            <a:r>
-              <a:rPr lang="en-US" sz="1600"/>
-              <a:t>Số vi phạm: 0</a:t>
-            </a:r>
-            <a:endParaRPr lang="en-US" sz="2200"/>
-          </a:p>
-          <a:p>
-            <a:r>
-              <a:rPr lang="en-US" sz="2200"/>
-              <a:t>Hill Climbing Local Search:</a:t>
-            </a:r>
-          </a:p>
-          <a:p>
-            <a:pPr marL="457200" lvl="1" indent="0">
-              <a:buNone/>
-            </a:pPr>
-            <a:r>
-              <a:rPr lang="en-US">
-                <a:cs typeface="Arial" panose="020B0604020202020204" pitchFamily="34" charset="0"/>
-              </a:rPr>
-              <a:t>Số item đ</a:t>
+          </a:p>
+        </p:txBody>
+      </p:sp>
+    </p:spTree>
+    <p:extLst>
+      <p:ext uri="{BB962C8B-B14F-4D97-AF65-F5344CB8AC3E}">
+        <p14:creationId xmlns:p14="http://schemas.microsoft.com/office/powerpoint/2010/main" val="3634478300"/>
+      </p:ext>
+    </p:extLst>
+  </p:cSld>
+  <p:clrMapOvr>
+    <a:masterClrMapping/>
+  </p:clrMapOvr>
+</p:sld>
+</file>
+
+<file path=ppt/slides/slide18.xml><?xml version="1.0" encoding="utf-8"?>
+<p:sld xmlns:a="http://schemas.openxmlformats.org/drawingml/2006/main" xmlns:r="http://schemas.openxmlformats.org/officeDocument/2006/relationships" xmlns:p="http://schemas.openxmlformats.org/presentationml/2006/main">
+  <p:cSld>
+    <p:spTree>
+      <p:nvGrpSpPr>
+        <p:cNvPr id="1" name=""/>
+        <p:cNvGrpSpPr/>
+        <p:nvPr/>
+      </p:nvGrpSpPr>
+      <p:grpSpPr>
+        <a:xfrm>
+          <a:off x="0" y="0"/>
+          <a:ext cx="0" cy="0"/>
+          <a:chOff x="0" y="0"/>
+          <a:chExt cx="0" cy="0"/>
+        </a:xfrm>
+      </p:grpSpPr>
+      <p:sp>
+        <p:nvSpPr>
+          <p:cNvPr id="2" name="Tiêu đề 1">
+            <a:extLst>
+              <a:ext uri="{FF2B5EF4-FFF2-40B4-BE49-F238E27FC236}">
+                <a16:creationId xmlns:a16="http://schemas.microsoft.com/office/drawing/2014/main" id="{E71F4184-F800-45B6-A3AF-AB4406C6A92D}"/>
+              </a:ext>
+            </a:extLst>
+          </p:cNvPr>
+          <p:cNvSpPr>
+            <a:spLocks noGrp="1"/>
+          </p:cNvSpPr>
+          <p:nvPr>
+            <p:ph type="title"/>
+          </p:nvPr>
+        </p:nvSpPr>
+        <p:spPr/>
+        <p:txBody>
+          <a:bodyPr/>
+          <a:lstStyle/>
+          <a:p>
+            <a:r>
+              <a:rPr lang="en-US"/>
+              <a:t>Kết quả thu đ</a:t>
             </a:r>
             <a:r>
               <a:rPr lang="vi-VN">
@@ -7622,34 +7726,39 @@
               <a:t>ư</a:t>
             </a:r>
             <a:r>
-              <a:rPr lang="en-US">
-                <a:cs typeface="Arial" panose="020B0604020202020204" pitchFamily="34" charset="0"/>
-              </a:rPr>
-              <a:t>ợc xếp: 3000</a:t>
-            </a:r>
-          </a:p>
-          <a:p>
-            <a:pPr marL="457200" lvl="1" indent="0">
-              <a:buNone/>
-            </a:pPr>
-            <a:r>
-              <a:rPr lang="en-US">
-                <a:cs typeface="Arial" panose="020B0604020202020204" pitchFamily="34" charset="0"/>
-              </a:rPr>
-              <a:t>Số bin được xếp :76</a:t>
-            </a:r>
-          </a:p>
-          <a:p>
-            <a:pPr marL="457200" lvl="1" indent="0">
-              <a:buNone/>
-            </a:pPr>
-            <a:r>
-              <a:rPr lang="en-US">
-                <a:cs typeface="Arial" panose="020B0604020202020204" pitchFamily="34" charset="0"/>
-              </a:rPr>
-              <a:t>Số vi phạm 84</a:t>
-            </a:r>
-          </a:p>
+              <a:rPr lang="en-US"/>
+              <a:t>ợc</a:t>
+            </a:r>
+          </a:p>
+        </p:txBody>
+      </p:sp>
+      <p:sp>
+        <p:nvSpPr>
+          <p:cNvPr id="3" name="Chỗ dành sẵn cho Nội dung 2">
+            <a:extLst>
+              <a:ext uri="{FF2B5EF4-FFF2-40B4-BE49-F238E27FC236}">
+                <a16:creationId xmlns:a16="http://schemas.microsoft.com/office/drawing/2014/main" id="{2A7F94FA-E990-4DAF-A49A-D05104AF258B}"/>
+              </a:ext>
+            </a:extLst>
+          </p:cNvPr>
+          <p:cNvSpPr>
+            <a:spLocks noGrp="1"/>
+          </p:cNvSpPr>
+          <p:nvPr>
+            <p:ph idx="1"/>
+          </p:nvPr>
+        </p:nvSpPr>
+        <p:spPr>
+          <a:xfrm>
+            <a:off x="677334" y="1325217"/>
+            <a:ext cx="8596668" cy="4716145"/>
+          </a:xfrm>
+        </p:spPr>
+        <p:txBody>
+          <a:bodyPr>
+            <a:normAutofit/>
+          </a:bodyPr>
+          <a:lstStyle/>
           <a:p>
             <a:pPr marL="457200" lvl="1" indent="0">
               <a:buNone/>
@@ -7686,6 +7795,252 @@
           </a:p>
         </p:txBody>
       </p:sp>
+      <p:graphicFrame>
+        <p:nvGraphicFramePr>
+          <p:cNvPr id="4" name="Bảng 3">
+            <a:extLst>
+              <a:ext uri="{FF2B5EF4-FFF2-40B4-BE49-F238E27FC236}">
+                <a16:creationId xmlns:a16="http://schemas.microsoft.com/office/drawing/2014/main" id="{CBA5F4CD-C792-43D1-B475-A6B78843784C}"/>
+              </a:ext>
+            </a:extLst>
+          </p:cNvPr>
+          <p:cNvGraphicFramePr>
+            <a:graphicFrameLocks noGrp="1"/>
+          </p:cNvGraphicFramePr>
+          <p:nvPr>
+            <p:extLst>
+              <p:ext uri="{D42A27DB-BD31-4B8C-83A1-F6EECF244321}">
+                <p14:modId xmlns:p14="http://schemas.microsoft.com/office/powerpoint/2010/main" val="702264652"/>
+              </p:ext>
+            </p:extLst>
+          </p:nvPr>
+        </p:nvGraphicFramePr>
+        <p:xfrm>
+          <a:off x="1762538" y="1965959"/>
+          <a:ext cx="8163340" cy="2089206"/>
+        </p:xfrm>
+        <a:graphic>
+          <a:graphicData uri="http://schemas.openxmlformats.org/drawingml/2006/table">
+            <a:tbl>
+              <a:tblPr firstRow="1" bandRow="1">
+                <a:tableStyleId>{5C22544A-7EE6-4342-B048-85BDC9FD1C3A}</a:tableStyleId>
+              </a:tblPr>
+              <a:tblGrid>
+                <a:gridCol w="2040835">
+                  <a:extLst>
+                    <a:ext uri="{9D8B030D-6E8A-4147-A177-3AD203B41FA5}">
+                      <a16:colId xmlns:a16="http://schemas.microsoft.com/office/drawing/2014/main" val="3900323210"/>
+                    </a:ext>
+                  </a:extLst>
+                </a:gridCol>
+                <a:gridCol w="2040835">
+                  <a:extLst>
+                    <a:ext uri="{9D8B030D-6E8A-4147-A177-3AD203B41FA5}">
+                      <a16:colId xmlns:a16="http://schemas.microsoft.com/office/drawing/2014/main" val="888469564"/>
+                    </a:ext>
+                  </a:extLst>
+                </a:gridCol>
+                <a:gridCol w="2040835">
+                  <a:extLst>
+                    <a:ext uri="{9D8B030D-6E8A-4147-A177-3AD203B41FA5}">
+                      <a16:colId xmlns:a16="http://schemas.microsoft.com/office/drawing/2014/main" val="554725602"/>
+                    </a:ext>
+                  </a:extLst>
+                </a:gridCol>
+                <a:gridCol w="2040835">
+                  <a:extLst>
+                    <a:ext uri="{9D8B030D-6E8A-4147-A177-3AD203B41FA5}">
+                      <a16:colId xmlns:a16="http://schemas.microsoft.com/office/drawing/2014/main" val="980996810"/>
+                    </a:ext>
+                  </a:extLst>
+                </a:gridCol>
+              </a:tblGrid>
+              <a:tr h="696402">
+                <a:tc>
+                  <a:txBody>
+                    <a:bodyPr/>
+                    <a:lstStyle/>
+                    <a:p>
+                      <a:endParaRPr lang="en-US"/>
+                    </a:p>
+                  </a:txBody>
+                  <a:tcPr/>
+                </a:tc>
+                <a:tc>
+                  <a:txBody>
+                    <a:bodyPr/>
+                    <a:lstStyle/>
+                    <a:p>
+                      <a:r>
+                        <a:rPr lang="en-US"/>
+                        <a:t>Greedy</a:t>
+                      </a:r>
+                    </a:p>
+                  </a:txBody>
+                  <a:tcPr/>
+                </a:tc>
+                <a:tc>
+                  <a:txBody>
+                    <a:bodyPr/>
+                    <a:lstStyle/>
+                    <a:p>
+                      <a:r>
+                        <a:rPr lang="en-US"/>
+                        <a:t>Genetic Algorithm</a:t>
+                      </a:r>
+                    </a:p>
+                  </a:txBody>
+                  <a:tcPr/>
+                </a:tc>
+                <a:tc>
+                  <a:txBody>
+                    <a:bodyPr/>
+                    <a:lstStyle/>
+                    <a:p>
+                      <a:r>
+                        <a:rPr lang="en-US"/>
+                        <a:t>Local Search</a:t>
+                      </a:r>
+                    </a:p>
+                  </a:txBody>
+                  <a:tcPr/>
+                </a:tc>
+                <a:extLst>
+                  <a:ext uri="{0D108BD9-81ED-4DB2-BD59-A6C34878D82A}">
+                    <a16:rowId xmlns:a16="http://schemas.microsoft.com/office/drawing/2014/main" val="166810611"/>
+                  </a:ext>
+                </a:extLst>
+              </a:tr>
+              <a:tr h="696402">
+                <a:tc>
+                  <a:txBody>
+                    <a:bodyPr/>
+                    <a:lstStyle/>
+                    <a:p>
+                      <a:r>
+                        <a:rPr lang="en-US"/>
+                        <a:t>Số item đ</a:t>
+                      </a:r>
+                      <a:r>
+                        <a:rPr lang="vi-VN"/>
+                        <a:t>ư</a:t>
+                      </a:r>
+                      <a:r>
+                        <a:rPr lang="en-US"/>
+                        <a:t>ợc xếp</a:t>
+                      </a:r>
+                    </a:p>
+                  </a:txBody>
+                  <a:tcPr/>
+                </a:tc>
+                <a:tc>
+                  <a:txBody>
+                    <a:bodyPr/>
+                    <a:lstStyle/>
+                    <a:p>
+                      <a:r>
+                        <a:rPr lang="en-US"/>
+                        <a:t>1972</a:t>
+                      </a:r>
+                    </a:p>
+                  </a:txBody>
+                  <a:tcPr/>
+                </a:tc>
+                <a:tc>
+                  <a:txBody>
+                    <a:bodyPr/>
+                    <a:lstStyle/>
+                    <a:p>
+                      <a:r>
+                        <a:rPr lang="en-US"/>
+                        <a:t>2535</a:t>
+                      </a:r>
+                    </a:p>
+                  </a:txBody>
+                  <a:tcPr/>
+                </a:tc>
+                <a:tc>
+                  <a:txBody>
+                    <a:bodyPr/>
+                    <a:lstStyle/>
+                    <a:p>
+                      <a:r>
+                        <a:rPr lang="en-US"/>
+                        <a:t>2667</a:t>
+                      </a:r>
+                    </a:p>
+                  </a:txBody>
+                  <a:tcPr/>
+                </a:tc>
+                <a:extLst>
+                  <a:ext uri="{0D108BD9-81ED-4DB2-BD59-A6C34878D82A}">
+                    <a16:rowId xmlns:a16="http://schemas.microsoft.com/office/drawing/2014/main" val="290071739"/>
+                  </a:ext>
+                </a:extLst>
+              </a:tr>
+              <a:tr h="696402">
+                <a:tc>
+                  <a:txBody>
+                    <a:bodyPr/>
+                    <a:lstStyle/>
+                    <a:p>
+                      <a:r>
+                        <a:rPr lang="en-US"/>
+                        <a:t>Số vi phạm</a:t>
+                      </a:r>
+                    </a:p>
+                  </a:txBody>
+                  <a:tcPr/>
+                </a:tc>
+                <a:tc>
+                  <a:txBody>
+                    <a:bodyPr/>
+                    <a:lstStyle/>
+                    <a:p>
+                      <a:r>
+                        <a:rPr lang="en-US"/>
+                        <a:t>0</a:t>
+                      </a:r>
+                    </a:p>
+                  </a:txBody>
+                  <a:tcPr/>
+                </a:tc>
+                <a:tc>
+                  <a:txBody>
+                    <a:bodyPr/>
+                    <a:lstStyle/>
+                    <a:p>
+                      <a:r>
+                        <a:rPr lang="en-US"/>
+                        <a:t>0</a:t>
+                      </a:r>
+                    </a:p>
+                  </a:txBody>
+                  <a:tcPr/>
+                </a:tc>
+                <a:tc>
+                  <a:txBody>
+                    <a:bodyPr/>
+                    <a:lstStyle/>
+                    <a:p>
+                      <a:r>
+                        <a:rPr lang="en-US"/>
+                        <a:t>0</a:t>
+                      </a:r>
+                    </a:p>
+                  </a:txBody>
+                  <a:tcPr/>
+                </a:tc>
+                <a:extLst>
+                  <a:ext uri="{0D108BD9-81ED-4DB2-BD59-A6C34878D82A}">
+                    <a16:rowId xmlns:a16="http://schemas.microsoft.com/office/drawing/2014/main" val="729384243"/>
+                  </a:ext>
+                </a:extLst>
+              </a:tr>
+            </a:tbl>
+          </a:graphicData>
+        </a:graphic>
+      </p:graphicFrame>
     </p:spTree>
     <p:extLst>
       <p:ext uri="{BB962C8B-B14F-4D97-AF65-F5344CB8AC3E}">
@@ -8011,41 +8366,41 @@
           <a:lstStyle/>
           <a:p>
             <a:r>
-              <a:rPr lang="en-US"/>
+              <a:rPr lang="en-US" sz="2000"/>
               <a:t>Yêu cầu bài toán: Sắp xếp các đồ vật vào các thùng thỏa mân các điều kiện d</a:t>
             </a:r>
             <a:r>
-              <a:rPr lang="vi-VN"/>
+              <a:rPr lang="vi-VN" sz="2000"/>
               <a:t>ư</a:t>
             </a:r>
             <a:r>
-              <a:rPr lang="en-US"/>
+              <a:rPr lang="en-US" sz="2000"/>
               <a:t>ới đây</a:t>
             </a:r>
           </a:p>
           <a:p>
             <a:pPr lvl="1"/>
             <a:r>
-              <a:rPr lang="vi-VN">
+              <a:rPr lang="vi-VN" sz="1800">
                 <a:latin typeface="Calibri" panose="020F0502020204030204" pitchFamily="34" charset="0"/>
                 <a:cs typeface="Calibri" panose="020F0502020204030204" pitchFamily="34" charset="0"/>
               </a:rPr>
               <a:t>Tổng trọng số 1 của các items được xếp vào b phải lớn hơn hoặc bằng</a:t>
             </a:r>
             <a:br>
-              <a:rPr lang="vi-VN">
+              <a:rPr lang="vi-VN" sz="1800">
                 <a:latin typeface="Calibri" panose="020F0502020204030204" pitchFamily="34" charset="0"/>
                 <a:cs typeface="Calibri" panose="020F0502020204030204" pitchFamily="34" charset="0"/>
               </a:rPr>
             </a:br>
             <a:r>
-              <a:rPr lang="vi-VN">
+              <a:rPr lang="vi-VN" sz="1800">
                 <a:latin typeface="Calibri" panose="020F0502020204030204" pitchFamily="34" charset="0"/>
                 <a:cs typeface="Calibri" panose="020F0502020204030204" pitchFamily="34" charset="0"/>
               </a:rPr>
               <a:t>LW[b] và nhỏ hơn hoặc bằng W[b] </a:t>
             </a:r>
-            <a:endParaRPr lang="en-US">
+            <a:endParaRPr lang="en-US" sz="1800">
               <a:latin typeface="Calibri" panose="020F0502020204030204" pitchFamily="34" charset="0"/>
               <a:cs typeface="Calibri" panose="020F0502020204030204" pitchFamily="34" charset="0"/>
             </a:endParaRPr>
@@ -8053,27 +8408,27 @@
           <a:p>
             <a:pPr lvl="1"/>
             <a:r>
-              <a:rPr lang="vi-VN">
+              <a:rPr lang="vi-VN" sz="1800">
                 <a:latin typeface="Calibri" panose="020F0502020204030204" pitchFamily="34" charset="0"/>
                 <a:cs typeface="Calibri" panose="020F0502020204030204" pitchFamily="34" charset="0"/>
               </a:rPr>
               <a:t>Tổng trọng số 2 của các items được xếp vào b phải nhỏ hơn hoặc</a:t>
             </a:r>
             <a:br>
-              <a:rPr lang="vi-VN">
+              <a:rPr lang="vi-VN" sz="1800">
                 <a:latin typeface="Calibri" panose="020F0502020204030204" pitchFamily="34" charset="0"/>
                 <a:cs typeface="Calibri" panose="020F0502020204030204" pitchFamily="34" charset="0"/>
               </a:rPr>
             </a:br>
             <a:r>
-              <a:rPr lang="vi-VN">
+              <a:rPr lang="vi-VN" sz="1800">
                 <a:latin typeface="Calibri" panose="020F0502020204030204" pitchFamily="34" charset="0"/>
                 <a:cs typeface="Calibri" panose="020F0502020204030204" pitchFamily="34" charset="0"/>
               </a:rPr>
               <a:t>bằng P[b</a:t>
             </a:r>
             <a:r>
-              <a:rPr lang="en-US">
+              <a:rPr lang="en-US" sz="1800">
                 <a:latin typeface="Calibri" panose="020F0502020204030204" pitchFamily="34" charset="0"/>
                 <a:cs typeface="Calibri" panose="020F0502020204030204" pitchFamily="34" charset="0"/>
               </a:rPr>
@@ -8083,26 +8438,26 @@
           <a:p>
             <a:pPr lvl="1"/>
             <a:r>
-              <a:rPr lang="vi-VN">
+              <a:rPr lang="vi-VN" sz="1800">
                 <a:latin typeface="Calibri" panose="020F0502020204030204" pitchFamily="34" charset="0"/>
                 <a:cs typeface="Calibri" panose="020F0502020204030204" pitchFamily="34" charset="0"/>
               </a:rPr>
               <a:t>Tổng số thể loại của các items được xếp vào b phải nhỏ hơn hoặc</a:t>
             </a:r>
             <a:br>
-              <a:rPr lang="vi-VN">
+              <a:rPr lang="vi-VN" sz="1800">
                 <a:latin typeface="Calibri" panose="020F0502020204030204" pitchFamily="34" charset="0"/>
                 <a:cs typeface="Calibri" panose="020F0502020204030204" pitchFamily="34" charset="0"/>
               </a:rPr>
             </a:br>
             <a:r>
-              <a:rPr lang="vi-VN">
+              <a:rPr lang="vi-VN" sz="1800">
                 <a:latin typeface="Calibri" panose="020F0502020204030204" pitchFamily="34" charset="0"/>
                 <a:cs typeface="Calibri" panose="020F0502020204030204" pitchFamily="34" charset="0"/>
               </a:rPr>
               <a:t>bằng T[b] </a:t>
             </a:r>
-            <a:endParaRPr lang="en-US">
+            <a:endParaRPr lang="en-US" sz="1800">
               <a:latin typeface="Calibri" panose="020F0502020204030204" pitchFamily="34" charset="0"/>
               <a:cs typeface="Calibri" panose="020F0502020204030204" pitchFamily="34" charset="0"/>
             </a:endParaRPr>
@@ -8110,33 +8465,33 @@
           <a:p>
             <a:pPr lvl="1"/>
             <a:r>
-              <a:rPr lang="vi-VN">
+              <a:rPr lang="vi-VN" sz="1800">
                 <a:latin typeface="Calibri" panose="020F0502020204030204" pitchFamily="34" charset="0"/>
                 <a:cs typeface="Calibri" panose="020F0502020204030204" pitchFamily="34" charset="0"/>
               </a:rPr>
               <a:t>Tổng số lớp của các items được xếp vào b phải nhỏ hơn hoặc bằng</a:t>
             </a:r>
             <a:br>
-              <a:rPr lang="vi-VN">
+              <a:rPr lang="vi-VN" sz="1800">
                 <a:latin typeface="Calibri" panose="020F0502020204030204" pitchFamily="34" charset="0"/>
                 <a:cs typeface="Calibri" panose="020F0502020204030204" pitchFamily="34" charset="0"/>
               </a:rPr>
             </a:br>
             <a:r>
-              <a:rPr lang="vi-VN">
+              <a:rPr lang="vi-VN" sz="1800">
                 <a:latin typeface="Calibri" panose="020F0502020204030204" pitchFamily="34" charset="0"/>
                 <a:cs typeface="Calibri" panose="020F0502020204030204" pitchFamily="34" charset="0"/>
               </a:rPr>
               <a:t>R[b] </a:t>
             </a:r>
-            <a:endParaRPr lang="en-US">
+            <a:endParaRPr lang="en-US" sz="1800">
               <a:latin typeface="Calibri" panose="020F0502020204030204" pitchFamily="34" charset="0"/>
               <a:cs typeface="Calibri" panose="020F0502020204030204" pitchFamily="34" charset="0"/>
             </a:endParaRPr>
           </a:p>
           <a:p>
             <a:r>
-              <a:rPr lang="en-US">
+              <a:rPr lang="en-US" sz="2000">
                 <a:latin typeface="Calibri" panose="020F0502020204030204" pitchFamily="34" charset="0"/>
                 <a:cs typeface="Calibri" panose="020F0502020204030204" pitchFamily="34" charset="0"/>
               </a:rPr>
@@ -8394,8 +8749,8 @@
           </a:p>
         </p:txBody>
       </p:sp>
-      <mc:AlternateContent xmlns:mc="http://schemas.openxmlformats.org/markup-compatibility/2006">
-        <mc:Choice xmlns:a14="http://schemas.microsoft.com/office/drawing/2010/main" Requires="a14">
+      <mc:AlternateContent xmlns:mc="http://schemas.openxmlformats.org/markup-compatibility/2006" xmlns:a14="http://schemas.microsoft.com/office/drawing/2010/main">
+        <mc:Choice Requires="a14">
           <p:sp>
             <p:nvSpPr>
               <p:cNvPr id="3" name="Chỗ dành sẵn cho Nội dung 2">
@@ -9490,7 +9845,7 @@
             </p:txBody>
           </p:sp>
         </mc:Choice>
-        <mc:Fallback>
+        <mc:Fallback xmlns="">
           <p:sp>
             <p:nvSpPr>
               <p:cNvPr id="3" name="Chỗ dành sẵn cho Nội dung 2">
@@ -10132,7 +10487,7 @@
             <a:pPr lvl="1"/>
             <a:r>
               <a:rPr lang="en-US" sz="1800"/>
-              <a:t>Chọn lọc: 70 % quần thể có giá trị fitness tốt nhất sẽ đ</a:t>
+              <a:t>Chiến l</a:t>
             </a:r>
             <a:r>
               <a:rPr lang="vi-VN" sz="1800"/>
@@ -10140,7 +10495,16 @@
             </a:r>
             <a:r>
               <a:rPr lang="en-US" sz="1800"/>
-              <a:t>ợc giữ lại, 30 % đ</a:t>
+              <a:t>ợc khởi tạo:</a:t>
+            </a:r>
+          </a:p>
+          <a:p>
+            <a:pPr marL="914400" lvl="2" indent="0">
+              <a:buNone/>
+            </a:pPr>
+            <a:r>
+              <a:rPr lang="en-US" sz="1800"/>
+              <a:t>Chiến l</a:t>
             </a:r>
             <a:r>
               <a:rPr lang="vi-VN" sz="1800"/>
@@ -10148,56 +10512,25 @@
             </a:r>
             <a:r>
               <a:rPr lang="en-US" sz="1800"/>
-              <a:t>ợc thay thế bằng các cá thể mới đ</a:t>
-            </a:r>
-            <a:r>
-              <a:rPr lang="vi-VN" sz="1800"/>
-              <a:t>ư</a:t>
-            </a:r>
+              <a:t>ợc 1: Sắp xếp ngẫu nhiên các item vào các bin</a:t>
+            </a:r>
+          </a:p>
+          <a:p>
+            <a:pPr marL="914400" lvl="2" indent="0">
+              <a:buNone/>
+            </a:pPr>
             <a:r>
               <a:rPr lang="en-US" sz="1800"/>
-              <a:t>ợc sinh ra.</a:t>
-            </a:r>
-            <a:endParaRPr lang="en-US" sz="1600"/>
-          </a:p>
-          <a:p>
-            <a:pPr lvl="1"/>
+              <a:t>Chiến lược 2: Khởi tạo một hoán vị ngẫu nhiên của một choỗi các số từ 1..N </a:t>
+            </a:r>
+          </a:p>
+          <a:p>
+            <a:pPr marL="914400" lvl="2" indent="0">
+              <a:buNone/>
+            </a:pPr>
             <a:r>
               <a:rPr lang="en-US" sz="1800"/>
-              <a:t>Hàm fitness: Đánh giá chất l</a:t>
-            </a:r>
-            <a:r>
-              <a:rPr lang="vi-VN" sz="1800"/>
-              <a:t>ư</a:t>
-            </a:r>
-            <a:r>
-              <a:rPr lang="en-US" sz="1800"/>
-              <a:t>ợng lời giải. Giá trị cao nghĩa là lời giải có chất l</a:t>
-            </a:r>
-            <a:r>
-              <a:rPr lang="vi-VN" sz="1800"/>
-              <a:t>ư</a:t>
-            </a:r>
-            <a:r>
-              <a:rPr lang="en-US" sz="1800"/>
-              <a:t>ợng tốt</a:t>
-            </a:r>
-          </a:p>
-          <a:p>
-            <a:pPr marL="914400" lvl="2" indent="0">
-              <a:buNone/>
-            </a:pPr>
-            <a:r>
-              <a:rPr lang="en-US" sz="1600"/>
-              <a:t>Đ</a:t>
-            </a:r>
-            <a:r>
-              <a:rPr lang="vi-VN" sz="1600"/>
-              <a:t>ư</a:t>
-            </a:r>
-            <a:r>
-              <a:rPr lang="en-US" sz="1600"/>
-              <a:t>ợc tính bằng một hằng số đủ lớn trừ đi tổng số vi phạm ràng buộc và vi phạm trọng số 1.</a:t>
+              <a:t>Xét các item theo thứ tự của hoán vị trên. Với mỗi item chọn bin đầu tiên có thể chứa item đó.</a:t>
             </a:r>
           </a:p>
           <a:p>
@@ -10218,7 +10551,7 @@
     </p:spTree>
     <p:extLst>
       <p:ext uri="{BB962C8B-B14F-4D97-AF65-F5344CB8AC3E}">
-        <p14:creationId xmlns:p14="http://schemas.microsoft.com/office/powerpoint/2010/main" val="3005157095"/>
+        <p14:creationId xmlns:p14="http://schemas.microsoft.com/office/powerpoint/2010/main" val="2021614410"/>
       </p:ext>
     </p:extLst>
   </p:cSld>
